--- a/Figures_source.pptx
+++ b/Figures_source.pptx
@@ -105,6 +105,11 @@
       </a:defRPr>
     </a:lvl9pPr>
   </p:defaultTextStyle>
+  <p:extLst>
+    <p:ext uri="{EFAFB233-063F-42B5-8137-9DF3F51BA10A}">
+      <p15:sldGuideLst xmlns:p15="http://schemas.microsoft.com/office/powerpoint/2012/main"/>
+    </p:ext>
+  </p:extLst>
 </p:presentation>
 </file>
 
@@ -257,7 +262,7 @@
           <a:p>
             <a:fld id="{19AAB60A-8BC4-4721-9222-A8B7479D21A3}" type="datetimeFigureOut">
               <a:rPr lang="en-CA" smtClean="0"/>
-              <a:t>2024-07-11</a:t>
+              <a:t>2024-07-24</a:t>
             </a:fld>
             <a:endParaRPr lang="en-CA"/>
           </a:p>
@@ -457,7 +462,7 @@
           <a:p>
             <a:fld id="{19AAB60A-8BC4-4721-9222-A8B7479D21A3}" type="datetimeFigureOut">
               <a:rPr lang="en-CA" smtClean="0"/>
-              <a:t>2024-07-11</a:t>
+              <a:t>2024-07-24</a:t>
             </a:fld>
             <a:endParaRPr lang="en-CA"/>
           </a:p>
@@ -667,7 +672,7 @@
           <a:p>
             <a:fld id="{19AAB60A-8BC4-4721-9222-A8B7479D21A3}" type="datetimeFigureOut">
               <a:rPr lang="en-CA" smtClean="0"/>
-              <a:t>2024-07-11</a:t>
+              <a:t>2024-07-24</a:t>
             </a:fld>
             <a:endParaRPr lang="en-CA"/>
           </a:p>
@@ -867,7 +872,7 @@
           <a:p>
             <a:fld id="{19AAB60A-8BC4-4721-9222-A8B7479D21A3}" type="datetimeFigureOut">
               <a:rPr lang="en-CA" smtClean="0"/>
-              <a:t>2024-07-11</a:t>
+              <a:t>2024-07-24</a:t>
             </a:fld>
             <a:endParaRPr lang="en-CA"/>
           </a:p>
@@ -1143,7 +1148,7 @@
           <a:p>
             <a:fld id="{19AAB60A-8BC4-4721-9222-A8B7479D21A3}" type="datetimeFigureOut">
               <a:rPr lang="en-CA" smtClean="0"/>
-              <a:t>2024-07-11</a:t>
+              <a:t>2024-07-24</a:t>
             </a:fld>
             <a:endParaRPr lang="en-CA"/>
           </a:p>
@@ -1411,7 +1416,7 @@
           <a:p>
             <a:fld id="{19AAB60A-8BC4-4721-9222-A8B7479D21A3}" type="datetimeFigureOut">
               <a:rPr lang="en-CA" smtClean="0"/>
-              <a:t>2024-07-11</a:t>
+              <a:t>2024-07-24</a:t>
             </a:fld>
             <a:endParaRPr lang="en-CA"/>
           </a:p>
@@ -1826,7 +1831,7 @@
           <a:p>
             <a:fld id="{19AAB60A-8BC4-4721-9222-A8B7479D21A3}" type="datetimeFigureOut">
               <a:rPr lang="en-CA" smtClean="0"/>
-              <a:t>2024-07-11</a:t>
+              <a:t>2024-07-24</a:t>
             </a:fld>
             <a:endParaRPr lang="en-CA"/>
           </a:p>
@@ -1968,7 +1973,7 @@
           <a:p>
             <a:fld id="{19AAB60A-8BC4-4721-9222-A8B7479D21A3}" type="datetimeFigureOut">
               <a:rPr lang="en-CA" smtClean="0"/>
-              <a:t>2024-07-11</a:t>
+              <a:t>2024-07-24</a:t>
             </a:fld>
             <a:endParaRPr lang="en-CA"/>
           </a:p>
@@ -2081,7 +2086,7 @@
           <a:p>
             <a:fld id="{19AAB60A-8BC4-4721-9222-A8B7479D21A3}" type="datetimeFigureOut">
               <a:rPr lang="en-CA" smtClean="0"/>
-              <a:t>2024-07-11</a:t>
+              <a:t>2024-07-24</a:t>
             </a:fld>
             <a:endParaRPr lang="en-CA"/>
           </a:p>
@@ -2394,7 +2399,7 @@
           <a:p>
             <a:fld id="{19AAB60A-8BC4-4721-9222-A8B7479D21A3}" type="datetimeFigureOut">
               <a:rPr lang="en-CA" smtClean="0"/>
-              <a:t>2024-07-11</a:t>
+              <a:t>2024-07-24</a:t>
             </a:fld>
             <a:endParaRPr lang="en-CA"/>
           </a:p>
@@ -2683,7 +2688,7 @@
           <a:p>
             <a:fld id="{19AAB60A-8BC4-4721-9222-A8B7479D21A3}" type="datetimeFigureOut">
               <a:rPr lang="en-CA" smtClean="0"/>
-              <a:t>2024-07-11</a:t>
+              <a:t>2024-07-24</a:t>
             </a:fld>
             <a:endParaRPr lang="en-CA"/>
           </a:p>
@@ -2926,7 +2931,7 @@
           <a:p>
             <a:fld id="{19AAB60A-8BC4-4721-9222-A8B7479D21A3}" type="datetimeFigureOut">
               <a:rPr lang="en-CA" smtClean="0"/>
-              <a:t>2024-07-11</a:t>
+              <a:t>2024-07-24</a:t>
             </a:fld>
             <a:endParaRPr lang="en-CA"/>
           </a:p>
@@ -3652,8 +3657,8 @@
         </p:nvSpPr>
         <p:spPr>
           <a:xfrm>
-            <a:off x="4713466" y="3372331"/>
-            <a:ext cx="1210588" cy="369332"/>
+            <a:off x="4662731" y="3308804"/>
+            <a:ext cx="1300356" cy="646331"/>
           </a:xfrm>
           <a:prstGeom prst="rect">
             <a:avLst/>
@@ -3666,12 +3671,23 @@
           </a:bodyPr>
           <a:lstStyle/>
           <a:p>
+            <a:pPr algn="ctr"/>
             <a:r>
               <a:rPr lang="en-US" dirty="0">
                 <a:latin typeface="Times New Roman" panose="02020603050405020304" pitchFamily="18" charset="0"/>
                 <a:cs typeface="Times New Roman" panose="02020603050405020304" pitchFamily="18" charset="0"/>
               </a:rPr>
-              <a:t>Pre-neuron</a:t>
+              <a:t>Pre-synapse</a:t>
+            </a:r>
+          </a:p>
+          <a:p>
+            <a:pPr algn="ctr"/>
+            <a:r>
+              <a:rPr lang="en-US" dirty="0">
+                <a:latin typeface="Times New Roman" panose="02020603050405020304" pitchFamily="18" charset="0"/>
+                <a:cs typeface="Times New Roman" panose="02020603050405020304" pitchFamily="18" charset="0"/>
+              </a:rPr>
+              <a:t>neuron</a:t>
             </a:r>
             <a:endParaRPr lang="en-CA" dirty="0">
               <a:latin typeface="Times New Roman" panose="02020603050405020304" pitchFamily="18" charset="0"/>
@@ -3682,10 +3698,10 @@
       </p:sp>
       <p:sp>
         <p:nvSpPr>
-          <p:cNvPr id="29" name="TextBox 28">
-            <a:extLst>
-              <a:ext uri="{FF2B5EF4-FFF2-40B4-BE49-F238E27FC236}">
-                <a16:creationId xmlns:a16="http://schemas.microsoft.com/office/drawing/2014/main" id="{38CC46B6-DF4B-8C0C-46C8-12E401885044}"/>
+          <p:cNvPr id="36" name="TextBox 35">
+            <a:extLst>
+              <a:ext uri="{FF2B5EF4-FFF2-40B4-BE49-F238E27FC236}">
+                <a16:creationId xmlns:a16="http://schemas.microsoft.com/office/drawing/2014/main" id="{D91D119B-786C-E5E0-B817-F7D1691086C3}"/>
               </a:ext>
             </a:extLst>
           </p:cNvPr>
@@ -3694,49 +3710,7 @@
         </p:nvSpPr>
         <p:spPr>
           <a:xfrm>
-            <a:off x="6493232" y="3372331"/>
-            <a:ext cx="1300356" cy="369332"/>
-          </a:xfrm>
-          <a:prstGeom prst="rect">
-            <a:avLst/>
-          </a:prstGeom>
-          <a:noFill/>
-        </p:spPr>
-        <p:txBody>
-          <a:bodyPr wrap="none" rtlCol="0">
-            <a:spAutoFit/>
-          </a:bodyPr>
-          <a:lstStyle/>
-          <a:p>
-            <a:r>
-              <a:rPr lang="en-US" dirty="0">
-                <a:latin typeface="Times New Roman" panose="02020603050405020304" pitchFamily="18" charset="0"/>
-                <a:cs typeface="Times New Roman" panose="02020603050405020304" pitchFamily="18" charset="0"/>
-              </a:rPr>
-              <a:t>Post-neuron</a:t>
-            </a:r>
-            <a:endParaRPr lang="en-CA" dirty="0">
-              <a:latin typeface="Times New Roman" panose="02020603050405020304" pitchFamily="18" charset="0"/>
-              <a:cs typeface="Times New Roman" panose="02020603050405020304" pitchFamily="18" charset="0"/>
-            </a:endParaRPr>
-          </a:p>
-        </p:txBody>
-      </p:sp>
-      <p:sp>
-        <p:nvSpPr>
-          <p:cNvPr id="36" name="TextBox 35">
-            <a:extLst>
-              <a:ext uri="{FF2B5EF4-FFF2-40B4-BE49-F238E27FC236}">
-                <a16:creationId xmlns:a16="http://schemas.microsoft.com/office/drawing/2014/main" id="{D91D119B-786C-E5E0-B817-F7D1691086C3}"/>
-              </a:ext>
-            </a:extLst>
-          </p:cNvPr>
-          <p:cNvSpPr txBox="1"/>
-          <p:nvPr/>
-        </p:nvSpPr>
-        <p:spPr>
-          <a:xfrm>
-            <a:off x="3923792" y="4194802"/>
+            <a:off x="3923792" y="4469122"/>
             <a:ext cx="603504" cy="369332"/>
           </a:xfrm>
           <a:prstGeom prst="rect">
@@ -3776,7 +3750,7 @@
         </p:nvSpPr>
         <p:spPr>
           <a:xfrm>
-            <a:off x="3923792" y="4847074"/>
+            <a:off x="3923792" y="5121394"/>
             <a:ext cx="603504" cy="369332"/>
           </a:xfrm>
           <a:prstGeom prst="rect">
@@ -3816,7 +3790,7 @@
         </p:nvCxnSpPr>
         <p:spPr>
           <a:xfrm>
-            <a:off x="5045456" y="4194802"/>
+            <a:off x="5045456" y="4469122"/>
             <a:ext cx="0" cy="184666"/>
           </a:xfrm>
           <a:prstGeom prst="line">
@@ -3857,7 +3831,7 @@
         </p:nvCxnSpPr>
         <p:spPr>
           <a:xfrm>
-            <a:off x="5795264" y="4194802"/>
+            <a:off x="5795264" y="4469122"/>
             <a:ext cx="0" cy="184666"/>
           </a:xfrm>
           <a:prstGeom prst="line">
@@ -3900,7 +3874,7 @@
         </p:nvCxnSpPr>
         <p:spPr>
           <a:xfrm>
-            <a:off x="7143410" y="4194802"/>
+            <a:off x="7143410" y="4469122"/>
             <a:ext cx="0" cy="184666"/>
           </a:xfrm>
           <a:prstGeom prst="line">
@@ -3943,7 +3917,7 @@
         </p:nvCxnSpPr>
         <p:spPr>
           <a:xfrm>
-            <a:off x="5313594" y="4847074"/>
+            <a:off x="5313594" y="5121394"/>
             <a:ext cx="0" cy="184666"/>
           </a:xfrm>
           <a:prstGeom prst="line">
@@ -3986,7 +3960,7 @@
         </p:nvCxnSpPr>
         <p:spPr>
           <a:xfrm>
-            <a:off x="6118266" y="4847074"/>
+            <a:off x="6118266" y="5121394"/>
             <a:ext cx="0" cy="184666"/>
           </a:xfrm>
           <a:prstGeom prst="line">
@@ -4027,7 +4001,7 @@
         </p:nvCxnSpPr>
         <p:spPr>
           <a:xfrm>
-            <a:off x="4711700" y="4379468"/>
+            <a:off x="4711700" y="4653788"/>
             <a:ext cx="3208141" cy="0"/>
           </a:xfrm>
           <a:prstGeom prst="line">
@@ -4073,7 +4047,7 @@
         </p:nvCxnSpPr>
         <p:spPr>
           <a:xfrm>
-            <a:off x="4711699" y="5031740"/>
+            <a:off x="4711699" y="5306060"/>
             <a:ext cx="3208141" cy="0"/>
           </a:xfrm>
           <a:prstGeom prst="line">
@@ -4337,7 +4311,7 @@
             </p:nvSpPr>
             <p:spPr>
               <a:xfrm>
-                <a:off x="7922740" y="4213852"/>
+                <a:off x="7922740" y="4488172"/>
                 <a:ext cx="463325" cy="338554"/>
               </a:xfrm>
               <a:prstGeom prst="rect">
@@ -4392,7 +4366,7 @@
             </p:nvSpPr>
             <p:spPr>
               <a:xfrm>
-                <a:off x="7922740" y="4213852"/>
+                <a:off x="7922740" y="4488172"/>
                 <a:ext cx="463325" cy="338554"/>
               </a:xfrm>
               <a:prstGeom prst="rect">
@@ -4436,7 +4410,7 @@
             </p:nvSpPr>
             <p:spPr>
               <a:xfrm>
-                <a:off x="7919840" y="4865362"/>
+                <a:off x="7919840" y="5139682"/>
                 <a:ext cx="463325" cy="338554"/>
               </a:xfrm>
               <a:prstGeom prst="rect">
@@ -4491,7 +4465,7 @@
             </p:nvSpPr>
             <p:spPr>
               <a:xfrm>
-                <a:off x="7919840" y="4865362"/>
+                <a:off x="7919840" y="5139682"/>
                 <a:ext cx="463325" cy="338554"/>
               </a:xfrm>
               <a:prstGeom prst="rect">
@@ -4519,6 +4493,59 @@
           </p:sp>
         </mc:Fallback>
       </mc:AlternateContent>
+      <p:sp>
+        <p:nvSpPr>
+          <p:cNvPr id="2" name="TextBox 1">
+            <a:extLst>
+              <a:ext uri="{FF2B5EF4-FFF2-40B4-BE49-F238E27FC236}">
+                <a16:creationId xmlns:a16="http://schemas.microsoft.com/office/drawing/2014/main" id="{1A99C121-DBB3-A762-9108-5A25849EB225}"/>
+              </a:ext>
+            </a:extLst>
+          </p:cNvPr>
+          <p:cNvSpPr txBox="1"/>
+          <p:nvPr/>
+        </p:nvSpPr>
+        <p:spPr>
+          <a:xfrm>
+            <a:off x="6406016" y="3305555"/>
+            <a:ext cx="1390124" cy="646331"/>
+          </a:xfrm>
+          <a:prstGeom prst="rect">
+            <a:avLst/>
+          </a:prstGeom>
+          <a:noFill/>
+        </p:spPr>
+        <p:txBody>
+          <a:bodyPr wrap="none" rtlCol="0">
+            <a:spAutoFit/>
+          </a:bodyPr>
+          <a:lstStyle/>
+          <a:p>
+            <a:pPr algn="ctr"/>
+            <a:r>
+              <a:rPr lang="en-US" dirty="0">
+                <a:latin typeface="Times New Roman" panose="02020603050405020304" pitchFamily="18" charset="0"/>
+                <a:cs typeface="Times New Roman" panose="02020603050405020304" pitchFamily="18" charset="0"/>
+              </a:rPr>
+              <a:t>Post-synapse</a:t>
+            </a:r>
+          </a:p>
+          <a:p>
+            <a:pPr algn="ctr"/>
+            <a:r>
+              <a:rPr lang="en-US" dirty="0">
+                <a:latin typeface="Times New Roman" panose="02020603050405020304" pitchFamily="18" charset="0"/>
+                <a:cs typeface="Times New Roman" panose="02020603050405020304" pitchFamily="18" charset="0"/>
+              </a:rPr>
+              <a:t>neuron</a:t>
+            </a:r>
+            <a:endParaRPr lang="en-CA" dirty="0">
+              <a:latin typeface="Times New Roman" panose="02020603050405020304" pitchFamily="18" charset="0"/>
+              <a:cs typeface="Times New Roman" panose="02020603050405020304" pitchFamily="18" charset="0"/>
+            </a:endParaRPr>
+          </a:p>
+        </p:txBody>
+      </p:sp>
     </p:spTree>
     <p:extLst>
       <p:ext uri="{BB962C8B-B14F-4D97-AF65-F5344CB8AC3E}">
@@ -4549,8 +4576,8 @@
           <a:chExt cx="0" cy="0"/>
         </a:xfrm>
       </p:grpSpPr>
-      <mc:AlternateContent xmlns:mc="http://schemas.openxmlformats.org/markup-compatibility/2006">
-        <mc:Choice xmlns:a14="http://schemas.microsoft.com/office/drawing/2010/main" Requires="a14">
+      <mc:AlternateContent xmlns:mc="http://schemas.openxmlformats.org/markup-compatibility/2006" xmlns:a14="http://schemas.microsoft.com/office/drawing/2010/main">
+        <mc:Choice Requires="a14">
           <p:graphicFrame>
             <p:nvGraphicFramePr>
               <p:cNvPr id="60" name="Table 59">
@@ -5531,7 +5558,7 @@
             </a:graphic>
           </p:graphicFrame>
         </mc:Choice>
-        <mc:Fallback>
+        <mc:Fallback xmlns="">
           <p:graphicFrame>
             <p:nvGraphicFramePr>
               <p:cNvPr id="60" name="Table 59">

--- a/Figures_source.pptx
+++ b/Figures_source.pptx
@@ -262,7 +262,7 @@
           <a:p>
             <a:fld id="{19AAB60A-8BC4-4721-9222-A8B7479D21A3}" type="datetimeFigureOut">
               <a:rPr lang="en-CA" smtClean="0"/>
-              <a:t>2024-07-24</a:t>
+              <a:t>2024-10-09</a:t>
             </a:fld>
             <a:endParaRPr lang="en-CA"/>
           </a:p>
@@ -462,7 +462,7 @@
           <a:p>
             <a:fld id="{19AAB60A-8BC4-4721-9222-A8B7479D21A3}" type="datetimeFigureOut">
               <a:rPr lang="en-CA" smtClean="0"/>
-              <a:t>2024-07-24</a:t>
+              <a:t>2024-10-09</a:t>
             </a:fld>
             <a:endParaRPr lang="en-CA"/>
           </a:p>
@@ -672,7 +672,7 @@
           <a:p>
             <a:fld id="{19AAB60A-8BC4-4721-9222-A8B7479D21A3}" type="datetimeFigureOut">
               <a:rPr lang="en-CA" smtClean="0"/>
-              <a:t>2024-07-24</a:t>
+              <a:t>2024-10-09</a:t>
             </a:fld>
             <a:endParaRPr lang="en-CA"/>
           </a:p>
@@ -872,7 +872,7 @@
           <a:p>
             <a:fld id="{19AAB60A-8BC4-4721-9222-A8B7479D21A3}" type="datetimeFigureOut">
               <a:rPr lang="en-CA" smtClean="0"/>
-              <a:t>2024-07-24</a:t>
+              <a:t>2024-10-09</a:t>
             </a:fld>
             <a:endParaRPr lang="en-CA"/>
           </a:p>
@@ -1148,7 +1148,7 @@
           <a:p>
             <a:fld id="{19AAB60A-8BC4-4721-9222-A8B7479D21A3}" type="datetimeFigureOut">
               <a:rPr lang="en-CA" smtClean="0"/>
-              <a:t>2024-07-24</a:t>
+              <a:t>2024-10-09</a:t>
             </a:fld>
             <a:endParaRPr lang="en-CA"/>
           </a:p>
@@ -1416,7 +1416,7 @@
           <a:p>
             <a:fld id="{19AAB60A-8BC4-4721-9222-A8B7479D21A3}" type="datetimeFigureOut">
               <a:rPr lang="en-CA" smtClean="0"/>
-              <a:t>2024-07-24</a:t>
+              <a:t>2024-10-09</a:t>
             </a:fld>
             <a:endParaRPr lang="en-CA"/>
           </a:p>
@@ -1831,7 +1831,7 @@
           <a:p>
             <a:fld id="{19AAB60A-8BC4-4721-9222-A8B7479D21A3}" type="datetimeFigureOut">
               <a:rPr lang="en-CA" smtClean="0"/>
-              <a:t>2024-07-24</a:t>
+              <a:t>2024-10-09</a:t>
             </a:fld>
             <a:endParaRPr lang="en-CA"/>
           </a:p>
@@ -1973,7 +1973,7 @@
           <a:p>
             <a:fld id="{19AAB60A-8BC4-4721-9222-A8B7479D21A3}" type="datetimeFigureOut">
               <a:rPr lang="en-CA" smtClean="0"/>
-              <a:t>2024-07-24</a:t>
+              <a:t>2024-10-09</a:t>
             </a:fld>
             <a:endParaRPr lang="en-CA"/>
           </a:p>
@@ -2086,7 +2086,7 @@
           <a:p>
             <a:fld id="{19AAB60A-8BC4-4721-9222-A8B7479D21A3}" type="datetimeFigureOut">
               <a:rPr lang="en-CA" smtClean="0"/>
-              <a:t>2024-07-24</a:t>
+              <a:t>2024-10-09</a:t>
             </a:fld>
             <a:endParaRPr lang="en-CA"/>
           </a:p>
@@ -2399,7 +2399,7 @@
           <a:p>
             <a:fld id="{19AAB60A-8BC4-4721-9222-A8B7479D21A3}" type="datetimeFigureOut">
               <a:rPr lang="en-CA" smtClean="0"/>
-              <a:t>2024-07-24</a:t>
+              <a:t>2024-10-09</a:t>
             </a:fld>
             <a:endParaRPr lang="en-CA"/>
           </a:p>
@@ -2688,7 +2688,7 @@
           <a:p>
             <a:fld id="{19AAB60A-8BC4-4721-9222-A8B7479D21A3}" type="datetimeFigureOut">
               <a:rPr lang="en-CA" smtClean="0"/>
-              <a:t>2024-07-24</a:t>
+              <a:t>2024-10-09</a:t>
             </a:fld>
             <a:endParaRPr lang="en-CA"/>
           </a:p>
@@ -2931,7 +2931,7 @@
           <a:p>
             <a:fld id="{19AAB60A-8BC4-4721-9222-A8B7479D21A3}" type="datetimeFigureOut">
               <a:rPr lang="en-CA" smtClean="0"/>
-              <a:t>2024-07-24</a:t>
+              <a:t>2024-10-09</a:t>
             </a:fld>
             <a:endParaRPr lang="en-CA"/>
           </a:p>
@@ -4295,8 +4295,8 @@
           </a:p>
         </p:txBody>
       </p:sp>
-      <mc:AlternateContent xmlns:mc="http://schemas.openxmlformats.org/markup-compatibility/2006">
-        <mc:Choice xmlns:a14="http://schemas.microsoft.com/office/drawing/2010/main" Requires="a14">
+      <mc:AlternateContent xmlns:mc="http://schemas.openxmlformats.org/markup-compatibility/2006" xmlns:a14="http://schemas.microsoft.com/office/drawing/2010/main">
+        <mc:Choice Requires="a14">
           <p:sp>
             <p:nvSpPr>
               <p:cNvPr id="50" name="TextBox 49">
@@ -4349,7 +4349,7 @@
             </p:txBody>
           </p:sp>
         </mc:Choice>
-        <mc:Fallback>
+        <mc:Fallback xmlns="">
           <p:sp>
             <p:nvSpPr>
               <p:cNvPr id="50" name="TextBox 49">
@@ -4394,8 +4394,8 @@
           </p:sp>
         </mc:Fallback>
       </mc:AlternateContent>
-      <mc:AlternateContent xmlns:mc="http://schemas.openxmlformats.org/markup-compatibility/2006">
-        <mc:Choice xmlns:a14="http://schemas.microsoft.com/office/drawing/2010/main" Requires="a14">
+      <mc:AlternateContent xmlns:mc="http://schemas.openxmlformats.org/markup-compatibility/2006" xmlns:a14="http://schemas.microsoft.com/office/drawing/2010/main">
+        <mc:Choice Requires="a14">
           <p:sp>
             <p:nvSpPr>
               <p:cNvPr id="59" name="TextBox 58">
@@ -4448,7 +4448,7 @@
             </p:txBody>
           </p:sp>
         </mc:Choice>
-        <mc:Fallback>
+        <mc:Fallback xmlns="">
           <p:sp>
             <p:nvSpPr>
               <p:cNvPr id="59" name="TextBox 58">
